--- a/schema.pptx
+++ b/schema.pptx
@@ -107,6 +107,11 @@
       </a:defRPr>
     </a:lvl9pPr>
   </p:defaultTextStyle>
+  <p:extLst>
+    <p:ext uri="{EFAFB233-063F-42B5-8137-9DF3F51BA10A}">
+      <p15:sldGuideLst xmlns:p15="http://schemas.microsoft.com/office/powerpoint/2012/main"/>
+    </p:ext>
+  </p:extLst>
 </p:presentation>
 </file>
 
@@ -3925,13 +3930,13 @@
           <p:nvPr>
             <p:extLst>
               <p:ext uri="{D42A27DB-BD31-4B8C-83A1-F6EECF244321}">
-                <p14:modId xmlns:p14="http://schemas.microsoft.com/office/powerpoint/2010/main" val="2645909803"/>
+                <p14:modId xmlns:p14="http://schemas.microsoft.com/office/powerpoint/2010/main" val="3966819966"/>
               </p:ext>
             </p:extLst>
           </p:nvPr>
         </p:nvGraphicFramePr>
         <p:xfrm>
-          <a:off x="556205" y="2542479"/>
+          <a:off x="556205" y="2492112"/>
           <a:ext cx="3079092" cy="1112520"/>
         </p:xfrm>
         <a:graphic>
